--- a/slides/09-Uncertainty-MarkovModels.pptx
+++ b/slides/09-Uncertainty-MarkovModels.pptx
@@ -372,7 +372,7 @@
           <a:p>
             <a:fld id="{EE6CD189-E039-4A51-BC88-4927E4923AA0}" type="datetimeFigureOut">
               <a:rPr lang="en-US" smtClean="0"/>
-              <a:t>6/23/2016</a:t>
+              <a:t>4/6/21</a:t>
             </a:fld>
             <a:endParaRPr lang="en-US"/>
           </a:p>
@@ -670,7 +670,7 @@
           <a:p>
             <a:fld id="{EE6CD189-E039-4A51-BC88-4927E4923AA0}" type="datetimeFigureOut">
               <a:rPr lang="en-US" smtClean="0"/>
-              <a:t>6/23/2016</a:t>
+              <a:t>4/6/21</a:t>
             </a:fld>
             <a:endParaRPr lang="en-US"/>
           </a:p>
@@ -862,7 +862,7 @@
           <a:p>
             <a:fld id="{EE6CD189-E039-4A51-BC88-4927E4923AA0}" type="datetimeFigureOut">
               <a:rPr lang="en-US" smtClean="0"/>
-              <a:t>6/23/2016</a:t>
+              <a:t>4/6/21</a:t>
             </a:fld>
             <a:endParaRPr lang="en-US"/>
           </a:p>
@@ -1123,7 +1123,7 @@
           <a:p>
             <a:fld id="{EE6CD189-E039-4A51-BC88-4927E4923AA0}" type="datetimeFigureOut">
               <a:rPr lang="en-US" smtClean="0"/>
-              <a:t>6/23/2016</a:t>
+              <a:t>4/6/21</a:t>
             </a:fld>
             <a:endParaRPr lang="en-US"/>
           </a:p>
@@ -1547,7 +1547,7 @@
           <a:p>
             <a:fld id="{EE6CD189-E039-4A51-BC88-4927E4923AA0}" type="datetimeFigureOut">
               <a:rPr lang="en-US" smtClean="0"/>
-              <a:t>6/23/2016</a:t>
+              <a:t>4/6/21</a:t>
             </a:fld>
             <a:endParaRPr lang="en-US"/>
           </a:p>
@@ -2084,7 +2084,7 @@
           <a:p>
             <a:fld id="{EE6CD189-E039-4A51-BC88-4927E4923AA0}" type="datetimeFigureOut">
               <a:rPr lang="en-US" smtClean="0"/>
-              <a:t>6/23/2016</a:t>
+              <a:t>4/6/21</a:t>
             </a:fld>
             <a:endParaRPr lang="en-US"/>
           </a:p>
@@ -2948,7 +2948,7 @@
           <a:p>
             <a:fld id="{EE6CD189-E039-4A51-BC88-4927E4923AA0}" type="datetimeFigureOut">
               <a:rPr lang="en-US" smtClean="0"/>
-              <a:t>6/23/2016</a:t>
+              <a:t>4/6/21</a:t>
             </a:fld>
             <a:endParaRPr lang="en-US"/>
           </a:p>
@@ -3118,7 +3118,7 @@
           <a:p>
             <a:fld id="{EE6CD189-E039-4A51-BC88-4927E4923AA0}" type="datetimeFigureOut">
               <a:rPr lang="en-US" smtClean="0"/>
-              <a:t>6/23/2016</a:t>
+              <a:t>4/6/21</a:t>
             </a:fld>
             <a:endParaRPr lang="en-US"/>
           </a:p>
@@ -3302,7 +3302,7 @@
           <a:p>
             <a:fld id="{EE6CD189-E039-4A51-BC88-4927E4923AA0}" type="datetimeFigureOut">
               <a:rPr lang="en-US" smtClean="0"/>
-              <a:t>6/23/2016</a:t>
+              <a:t>4/6/21</a:t>
             </a:fld>
             <a:endParaRPr lang="en-US"/>
           </a:p>
@@ -3472,7 +3472,7 @@
           <a:p>
             <a:fld id="{EE6CD189-E039-4A51-BC88-4927E4923AA0}" type="datetimeFigureOut">
               <a:rPr lang="en-US" smtClean="0"/>
-              <a:t>6/23/2016</a:t>
+              <a:t>4/6/21</a:t>
             </a:fld>
             <a:endParaRPr lang="en-US"/>
           </a:p>
@@ -3716,7 +3716,7 @@
           <a:p>
             <a:fld id="{EE6CD189-E039-4A51-BC88-4927E4923AA0}" type="datetimeFigureOut">
               <a:rPr lang="en-US" smtClean="0"/>
-              <a:t>6/23/2016</a:t>
+              <a:t>4/6/21</a:t>
             </a:fld>
             <a:endParaRPr lang="en-US"/>
           </a:p>
@@ -3952,7 +3952,7 @@
           <a:p>
             <a:fld id="{EE6CD189-E039-4A51-BC88-4927E4923AA0}" type="datetimeFigureOut">
               <a:rPr lang="en-US" smtClean="0"/>
-              <a:t>6/23/2016</a:t>
+              <a:t>4/6/21</a:t>
             </a:fld>
             <a:endParaRPr lang="en-US"/>
           </a:p>
@@ -4418,7 +4418,7 @@
           <a:p>
             <a:fld id="{EE6CD189-E039-4A51-BC88-4927E4923AA0}" type="datetimeFigureOut">
               <a:rPr lang="en-US" smtClean="0"/>
-              <a:t>6/23/2016</a:t>
+              <a:t>4/6/21</a:t>
             </a:fld>
             <a:endParaRPr lang="en-US"/>
           </a:p>
@@ -4536,7 +4536,7 @@
           <a:p>
             <a:fld id="{EE6CD189-E039-4A51-BC88-4927E4923AA0}" type="datetimeFigureOut">
               <a:rPr lang="en-US" smtClean="0"/>
-              <a:t>6/23/2016</a:t>
+              <a:t>4/6/21</a:t>
             </a:fld>
             <a:endParaRPr lang="en-US"/>
           </a:p>
@@ -4631,7 +4631,7 @@
           <a:p>
             <a:fld id="{EE6CD189-E039-4A51-BC88-4927E4923AA0}" type="datetimeFigureOut">
               <a:rPr lang="en-US" smtClean="0"/>
-              <a:t>6/23/2016</a:t>
+              <a:t>4/6/21</a:t>
             </a:fld>
             <a:endParaRPr lang="en-US"/>
           </a:p>
@@ -4886,7 +4886,7 @@
           <a:p>
             <a:fld id="{EE6CD189-E039-4A51-BC88-4927E4923AA0}" type="datetimeFigureOut">
               <a:rPr lang="en-US" smtClean="0"/>
-              <a:t>6/23/2016</a:t>
+              <a:t>4/6/21</a:t>
             </a:fld>
             <a:endParaRPr lang="en-US"/>
           </a:p>
@@ -5186,7 +5186,7 @@
           <a:p>
             <a:fld id="{EE6CD189-E039-4A51-BC88-4927E4923AA0}" type="datetimeFigureOut">
               <a:rPr lang="en-US" smtClean="0"/>
-              <a:t>6/23/2016</a:t>
+              <a:t>4/6/21</a:t>
             </a:fld>
             <a:endParaRPr lang="en-US"/>
           </a:p>
@@ -5420,7 +5420,7 @@
           <a:p>
             <a:fld id="{EE6CD189-E039-4A51-BC88-4927E4923AA0}" type="datetimeFigureOut">
               <a:rPr lang="en-US" smtClean="0"/>
-              <a:t>6/23/2016</a:t>
+              <a:t>4/6/21</a:t>
             </a:fld>
             <a:endParaRPr lang="en-US"/>
           </a:p>
@@ -6140,7 +6140,7 @@
           <a:p>
             <a:r>
               <a:rPr lang="en-US" dirty="0"/>
-              <a:t>Part 2: Hidden Markov Models, Bayesian Model Tracing, and a few other applications of uncertainty</a:t>
+              <a:t>Markov Chains, MDPs, Hidden Markov Models, Bayesian Model Tracing, and a few other applications of uncertainty</a:t>
             </a:r>
           </a:p>
         </p:txBody>
@@ -6991,7 +6991,7 @@
             </a:pPr>
             <a:r>
               <a:rPr lang="en-US" altLang="en-US" dirty="0"/>
-              <a:t>X = [	1.0		//100 percent chance we start in state 1</a:t>
+              <a:t>X = [	1.0		//100 percent chance we start in state 0</a:t>
             </a:r>
           </a:p>
           <a:p>
@@ -7326,7 +7326,7 @@
               <a:rPr lang="en-US" altLang="en-US" sz="2800" dirty="0">
                 <a:cs typeface="Times New Roman" panose="02020603050405020304" pitchFamily="18" charset="0"/>
               </a:rPr>
-              <a:t>•  Must have at least one state which cannot be 	left once it has been entered</a:t>
+              <a:t>•  Must have at least one state which cannot be left once it has been entered</a:t>
             </a:r>
           </a:p>
           <a:p>
@@ -9101,7 +9101,7 @@
               <a:rPr lang="en-US" altLang="en-US" dirty="0">
                 <a:sym typeface="Wingdings" panose="05000000000000000000" pitchFamily="2" charset="2"/>
               </a:rPr>
-              <a:t> S			For each state and action, move to a new state (100%)</a:t>
+              <a:t> S’			For each state and action, move to a new state (100%)</a:t>
             </a:r>
           </a:p>
           <a:p>
@@ -9145,7 +9145,7 @@
               <a:rPr lang="en-US" altLang="en-US" dirty="0">
                 <a:sym typeface="Wingdings" panose="05000000000000000000" pitchFamily="2" charset="2"/>
               </a:rPr>
-              <a:t>(S)	For each state and action, specify a </a:t>
+              <a:t>(S’)	For each state and action, specify a </a:t>
             </a:r>
             <a:r>
               <a:rPr lang="en-US" altLang="en-US" dirty="0" err="1">
@@ -9442,7 +9442,7 @@
         </p:blipFill>
         <p:spPr>
           <a:xfrm>
-            <a:off x="7397513" y="1732449"/>
+            <a:off x="7316592" y="1879456"/>
             <a:ext cx="4248150" cy="4400550"/>
           </a:xfrm>
           <a:prstGeom prst="rect">
@@ -12410,8 +12410,8 @@
           </a:p>
         </p:txBody>
       </p:sp>
-      <mc:AlternateContent xmlns:mc="http://schemas.openxmlformats.org/markup-compatibility/2006" xmlns:a14="http://schemas.microsoft.com/office/drawing/2010/main">
-        <mc:Choice Requires="a14">
+      <mc:AlternateContent xmlns:mc="http://schemas.openxmlformats.org/markup-compatibility/2006">
+        <mc:Choice xmlns:a14="http://schemas.microsoft.com/office/drawing/2010/main" Requires="a14">
           <p:sp>
             <p:nvSpPr>
               <p:cNvPr id="844803" name="Rectangle 3"/>
@@ -12520,20 +12520,34 @@
                 </a:r>
                 <a14:m>
                   <m:oMath xmlns:m="http://schemas.openxmlformats.org/officeDocument/2006/math">
-                    <m:r>
-                      <a:rPr lang="en-US" sz="2400" b="0" i="1" smtClean="0">
-                        <a:effectLst/>
-                        <a:latin typeface="Cambria Math" panose="02040503050406030204" pitchFamily="18" charset="0"/>
-                      </a:rPr>
-                      <m:t>𝑟</m:t>
-                    </m:r>
-                    <m:r>
-                      <a:rPr lang="en-US" sz="2400" b="0" i="1" baseline="-25000" smtClean="0">
-                        <a:effectLst/>
-                        <a:latin typeface="Cambria Math" panose="02040503050406030204" pitchFamily="18" charset="0"/>
-                      </a:rPr>
-                      <m:t>𝑘</m:t>
-                    </m:r>
+                    <m:sSub>
+                      <m:sSubPr>
+                        <m:ctrlPr>
+                          <a:rPr lang="en-US" sz="2400" b="0" i="1" smtClean="0">
+                            <a:effectLst/>
+                            <a:latin typeface="Cambria Math" panose="02040503050406030204" pitchFamily="18" charset="0"/>
+                          </a:rPr>
+                        </m:ctrlPr>
+                      </m:sSubPr>
+                      <m:e>
+                        <m:r>
+                          <a:rPr lang="en-US" sz="2400" b="0" i="1" smtClean="0">
+                            <a:effectLst/>
+                            <a:latin typeface="Cambria Math" panose="02040503050406030204" pitchFamily="18" charset="0"/>
+                          </a:rPr>
+                          <m:t>𝑟</m:t>
+                        </m:r>
+                      </m:e>
+                      <m:sub>
+                        <m:r>
+                          <a:rPr lang="en-US" sz="2400" b="0" i="1" smtClean="0">
+                            <a:effectLst/>
+                            <a:latin typeface="Cambria Math" panose="02040503050406030204" pitchFamily="18" charset="0"/>
+                          </a:rPr>
+                          <m:t>𝑘</m:t>
+                        </m:r>
+                      </m:sub>
+                    </m:sSub>
                     <m:r>
                       <a:rPr lang="en-US" sz="2400" b="0" i="1" smtClean="0">
                         <a:effectLst/>
@@ -12542,102 +12556,115 @@
                       <m:t>+</m:t>
                     </m:r>
                     <m:r>
-                      <m:rPr>
-                        <m:nor/>
-                      </m:rPr>
-                      <a:rPr lang="en-US" sz="2400" dirty="0">
-                        <a:effectLst/>
-                      </a:rPr>
-                      <m:t>γ</m:t>
-                    </m:r>
-                    <m:r>
-                      <m:rPr>
-                        <m:nor/>
-                      </m:rPr>
-                      <a:rPr lang="en-US" sz="2400" b="0" i="0" dirty="0" smtClean="0">
-                        <a:effectLst/>
-                      </a:rPr>
-                      <m:t>(</m:t>
-                    </m:r>
-                    <m:r>
-                      <m:rPr>
-                        <m:nor/>
-                      </m:rPr>
-                      <a:rPr lang="en-US" sz="2400" b="0" i="0" dirty="0" smtClean="0">
-                        <a:effectLst/>
-                      </a:rPr>
-                      <m:t>rk</m:t>
-                    </m:r>
-                    <m:r>
-                      <m:rPr>
-                        <m:nor/>
-                      </m:rPr>
-                      <a:rPr lang="en-US" sz="2400" b="0" i="0" baseline="-25000" dirty="0" smtClean="0">
-                        <a:effectLst/>
-                      </a:rPr>
-                      <m:t>+1 +</m:t>
-                    </m:r>
-                    <m:r>
-                      <m:rPr>
-                        <m:nor/>
-                      </m:rPr>
-                      <a:rPr lang="en-US" sz="2400" b="0" i="0" dirty="0" smtClean="0">
-                        <a:effectLst/>
-                      </a:rPr>
-                      <m:t> </m:t>
-                    </m:r>
-                    <m:r>
-                      <m:rPr>
-                        <m:nor/>
-                      </m:rPr>
-                      <a:rPr lang="en-US" sz="2400" dirty="0">
-                        <a:effectLst/>
-                      </a:rPr>
-                      <m:t>γ</m:t>
-                    </m:r>
-                    <m:r>
-                      <m:rPr>
-                        <m:nor/>
-                      </m:rPr>
-                      <a:rPr lang="en-US" sz="2400" b="0" i="0" dirty="0" smtClean="0">
-                        <a:effectLst/>
-                      </a:rPr>
-                      <m:t>(</m:t>
-                    </m:r>
-                    <m:r>
-                      <m:rPr>
-                        <m:nor/>
-                      </m:rPr>
-                      <a:rPr lang="en-US" sz="2400" b="0" i="0" dirty="0" smtClean="0">
-                        <a:effectLst/>
-                      </a:rPr>
-                      <m:t>rk</m:t>
-                    </m:r>
-                    <m:r>
-                      <m:rPr>
-                        <m:nor/>
-                      </m:rPr>
-                      <a:rPr lang="en-US" sz="2400" b="0" i="0" baseline="-25000" dirty="0" smtClean="0">
-                        <a:effectLst/>
-                      </a:rPr>
-                      <m:t>+2 +</m:t>
-                    </m:r>
-                    <m:r>
-                      <m:rPr>
-                        <m:nor/>
-                      </m:rPr>
-                      <a:rPr lang="en-US" sz="2400" b="0" i="0" dirty="0" smtClean="0">
-                        <a:effectLst/>
-                      </a:rPr>
-                      <m:t> </m:t>
-                    </m:r>
-                    <m:r>
-                      <a:rPr lang="en-US" sz="2400" b="0" i="1" dirty="0" smtClean="0">
+                      <a:rPr lang="en-US" sz="2400" b="0" i="1" smtClean="0">
                         <a:effectLst/>
                         <a:latin typeface="Cambria Math" panose="02040503050406030204" pitchFamily="18" charset="0"/>
                       </a:rPr>
-                      <m:t>…))</m:t>
+                      <m:t>𝛾</m:t>
                     </m:r>
+                    <m:d>
+                      <m:dPr>
+                        <m:ctrlPr>
+                          <a:rPr lang="en-US" sz="2400" b="0" i="1" smtClean="0">
+                            <a:effectLst/>
+                            <a:latin typeface="Cambria Math" panose="02040503050406030204" pitchFamily="18" charset="0"/>
+                          </a:rPr>
+                        </m:ctrlPr>
+                      </m:dPr>
+                      <m:e>
+                        <m:sSub>
+                          <m:sSubPr>
+                            <m:ctrlPr>
+                              <a:rPr lang="en-US" sz="2400" b="0" i="1" smtClean="0">
+                                <a:effectLst/>
+                                <a:latin typeface="Cambria Math" panose="02040503050406030204" pitchFamily="18" charset="0"/>
+                              </a:rPr>
+                            </m:ctrlPr>
+                          </m:sSubPr>
+                          <m:e>
+                            <m:r>
+                              <a:rPr lang="en-US" sz="2400" b="0" i="1" smtClean="0">
+                                <a:effectLst/>
+                                <a:latin typeface="Cambria Math" panose="02040503050406030204" pitchFamily="18" charset="0"/>
+                              </a:rPr>
+                              <m:t>𝑟</m:t>
+                            </m:r>
+                          </m:e>
+                          <m:sub>
+                            <m:r>
+                              <a:rPr lang="en-US" sz="2400" b="0" i="1" smtClean="0">
+                                <a:effectLst/>
+                                <a:latin typeface="Cambria Math" panose="02040503050406030204" pitchFamily="18" charset="0"/>
+                              </a:rPr>
+                              <m:t>𝑘</m:t>
+                            </m:r>
+                            <m:r>
+                              <a:rPr lang="en-US" sz="2400" b="0" i="1" smtClean="0">
+                                <a:effectLst/>
+                                <a:latin typeface="Cambria Math" panose="02040503050406030204" pitchFamily="18" charset="0"/>
+                              </a:rPr>
+                              <m:t>+1</m:t>
+                            </m:r>
+                          </m:sub>
+                        </m:sSub>
+                        <m:r>
+                          <a:rPr lang="en-US" sz="2400" b="0" i="1" smtClean="0">
+                            <a:effectLst/>
+                            <a:latin typeface="Cambria Math" panose="02040503050406030204" pitchFamily="18" charset="0"/>
+                          </a:rPr>
+                          <m:t>+</m:t>
+                        </m:r>
+                        <m:r>
+                          <a:rPr lang="en-US" sz="2400" b="0" i="1" smtClean="0">
+                            <a:effectLst/>
+                            <a:latin typeface="Cambria Math" panose="02040503050406030204" pitchFamily="18" charset="0"/>
+                          </a:rPr>
+                          <m:t>𝛾</m:t>
+                        </m:r>
+                        <m:sSub>
+                          <m:sSubPr>
+                            <m:ctrlPr>
+                              <a:rPr lang="en-US" sz="2400" b="0" i="1" smtClean="0">
+                                <a:effectLst/>
+                                <a:latin typeface="Cambria Math" panose="02040503050406030204" pitchFamily="18" charset="0"/>
+                              </a:rPr>
+                            </m:ctrlPr>
+                          </m:sSubPr>
+                          <m:e>
+                            <m:r>
+                              <a:rPr lang="en-US" sz="2400" b="0" i="1" smtClean="0">
+                                <a:effectLst/>
+                                <a:latin typeface="Cambria Math" panose="02040503050406030204" pitchFamily="18" charset="0"/>
+                              </a:rPr>
+                              <m:t>𝑟</m:t>
+                            </m:r>
+                          </m:e>
+                          <m:sub>
+                            <m:r>
+                              <a:rPr lang="en-US" sz="2400" b="0" i="1" smtClean="0">
+                                <a:effectLst/>
+                                <a:latin typeface="Cambria Math" panose="02040503050406030204" pitchFamily="18" charset="0"/>
+                              </a:rPr>
+                              <m:t>𝑘</m:t>
+                            </m:r>
+                            <m:r>
+                              <a:rPr lang="en-US" sz="2400" b="0" i="1" smtClean="0">
+                                <a:effectLst/>
+                                <a:latin typeface="Cambria Math" panose="02040503050406030204" pitchFamily="18" charset="0"/>
+                              </a:rPr>
+                              <m:t>+2</m:t>
+                            </m:r>
+                          </m:sub>
+                        </m:sSub>
+                        <m:r>
+                          <a:rPr lang="en-US" sz="2400" b="0" i="1" smtClean="0">
+                            <a:effectLst/>
+                            <a:latin typeface="Cambria Math" panose="02040503050406030204" pitchFamily="18" charset="0"/>
+                          </a:rPr>
+                          <m:t>+…</m:t>
+                        </m:r>
+                      </m:e>
+                    </m:d>
                   </m:oMath>
                 </a14:m>
                 <a:endParaRPr lang="en-US" sz="2400" dirty="0">
@@ -12763,7 +12790,7 @@
             </p:txBody>
           </p:sp>
         </mc:Choice>
-        <mc:Fallback xmlns="">
+        <mc:Fallback>
           <p:sp>
             <p:nvSpPr>
               <p:cNvPr id="844803" name="Rectangle 3"/>
@@ -12779,7 +12806,7 @@
                 <a:off x="913795" y="1732449"/>
                 <a:ext cx="10736338" cy="4363551"/>
               </a:xfrm>
-              <a:blipFill rotWithShape="0">
+              <a:blipFill>
                 <a:blip r:embed="rId2"/>
                 <a:stretch>
                   <a:fillRect/>
@@ -13772,7 +13799,7 @@
         </p:blipFill>
         <p:spPr bwMode="auto">
           <a:xfrm>
-            <a:off x="5067668" y="5831794"/>
+            <a:off x="4897735" y="5783242"/>
             <a:ext cx="6199889" cy="766012"/>
           </a:xfrm>
           <a:prstGeom prst="rect">
@@ -15215,7 +15242,7 @@
           <a:p>
             <a:r>
               <a:rPr lang="en-US" dirty="0"/>
-              <a:t>This algorithm has some issues. The belief space is continuous, not discreet!</a:t>
+              <a:t>This algorithm has some issues. The belief space is continuous, not discrete!</a:t>
             </a:r>
           </a:p>
           <a:p>
